--- a/docs/JUnit_part1.pptx
+++ b/docs/JUnit_part1.pptx
@@ -248,7 +248,7 @@
           <a:p>
             <a:fld id="{594483DD-068A-4DD9-AA3B-FB4E47968E92}" type="datetimeFigureOut">
               <a:rPr kumimoji="1" lang="ja-JP" altLang="en-US" smtClean="0"/>
-              <a:t>2023/2/23</a:t>
+              <a:t>2023/3/2</a:t>
             </a:fld>
             <a:endParaRPr kumimoji="1" lang="ja-JP" altLang="en-US"/>
           </a:p>
@@ -915,7 +915,7 @@
           <a:p>
             <a:fld id="{42A7FFAF-0134-4E41-85FF-16A86EAABC1C}" type="datetimeFigureOut">
               <a:rPr kumimoji="1" lang="ja-JP" altLang="en-US" smtClean="0"/>
-              <a:t>2023/2/23</a:t>
+              <a:t>2023/3/2</a:t>
             </a:fld>
             <a:endParaRPr kumimoji="1" lang="ja-JP" altLang="en-US"/>
           </a:p>
@@ -1146,7 +1146,7 @@
           <a:p>
             <a:fld id="{42A7FFAF-0134-4E41-85FF-16A86EAABC1C}" type="datetimeFigureOut">
               <a:rPr kumimoji="1" lang="ja-JP" altLang="en-US" smtClean="0"/>
-              <a:t>2023/2/23</a:t>
+              <a:t>2023/3/2</a:t>
             </a:fld>
             <a:endParaRPr kumimoji="1" lang="ja-JP" altLang="en-US"/>
           </a:p>
@@ -1370,7 +1370,7 @@
           <a:p>
             <a:fld id="{42A7FFAF-0134-4E41-85FF-16A86EAABC1C}" type="datetimeFigureOut">
               <a:rPr kumimoji="1" lang="ja-JP" altLang="en-US" smtClean="0"/>
-              <a:t>2023/2/23</a:t>
+              <a:t>2023/3/2</a:t>
             </a:fld>
             <a:endParaRPr kumimoji="1" lang="ja-JP" altLang="en-US"/>
           </a:p>
@@ -1538,7 +1538,7 @@
           <a:p>
             <a:fld id="{42A7FFAF-0134-4E41-85FF-16A86EAABC1C}" type="datetimeFigureOut">
               <a:rPr kumimoji="1" lang="ja-JP" altLang="en-US" smtClean="0"/>
-              <a:t>2023/2/23</a:t>
+              <a:t>2023/3/2</a:t>
             </a:fld>
             <a:endParaRPr kumimoji="1" lang="ja-JP" altLang="en-US"/>
           </a:p>
@@ -1702,7 +1702,7 @@
           <a:p>
             <a:fld id="{42A7FFAF-0134-4E41-85FF-16A86EAABC1C}" type="datetimeFigureOut">
               <a:rPr kumimoji="1" lang="ja-JP" altLang="en-US" smtClean="0"/>
-              <a:t>2023/2/23</a:t>
+              <a:t>2023/3/2</a:t>
             </a:fld>
             <a:endParaRPr kumimoji="1" lang="ja-JP" altLang="en-US"/>
           </a:p>
@@ -2095,7 +2095,7 @@
           <a:p>
             <a:fld id="{42A7FFAF-0134-4E41-85FF-16A86EAABC1C}" type="datetimeFigureOut">
               <a:rPr kumimoji="1" lang="ja-JP" altLang="en-US" smtClean="0"/>
-              <a:t>2023/2/23</a:t>
+              <a:t>2023/3/2</a:t>
             </a:fld>
             <a:endParaRPr kumimoji="1" lang="ja-JP" altLang="en-US"/>
           </a:p>
@@ -2325,7 +2325,7 @@
           <a:p>
             <a:fld id="{42A7FFAF-0134-4E41-85FF-16A86EAABC1C}" type="datetimeFigureOut">
               <a:rPr kumimoji="1" lang="ja-JP" altLang="en-US" smtClean="0"/>
-              <a:t>2023/2/23</a:t>
+              <a:t>2023/3/2</a:t>
             </a:fld>
             <a:endParaRPr kumimoji="1" lang="ja-JP" altLang="en-US"/>
           </a:p>
@@ -2529,7 +2529,7 @@
           <a:p>
             <a:fld id="{42A7FFAF-0134-4E41-85FF-16A86EAABC1C}" type="datetimeFigureOut">
               <a:rPr kumimoji="1" lang="ja-JP" altLang="en-US" smtClean="0"/>
-              <a:t>2023/2/23</a:t>
+              <a:t>2023/3/2</a:t>
             </a:fld>
             <a:endParaRPr kumimoji="1" lang="ja-JP" altLang="en-US"/>
           </a:p>
@@ -2893,7 +2893,7 @@
           <a:p>
             <a:fld id="{42A7FFAF-0134-4E41-85FF-16A86EAABC1C}" type="datetimeFigureOut">
               <a:rPr kumimoji="1" lang="ja-JP" altLang="en-US" smtClean="0"/>
-              <a:t>2023/2/23</a:t>
+              <a:t>2023/3/2</a:t>
             </a:fld>
             <a:endParaRPr kumimoji="1" lang="ja-JP" altLang="en-US"/>
           </a:p>
@@ -3396,7 +3396,7 @@
           <a:p>
             <a:fld id="{42A7FFAF-0134-4E41-85FF-16A86EAABC1C}" type="datetimeFigureOut">
               <a:rPr kumimoji="1" lang="ja-JP" altLang="en-US" smtClean="0"/>
-              <a:t>2023/2/23</a:t>
+              <a:t>2023/3/2</a:t>
             </a:fld>
             <a:endParaRPr kumimoji="1" lang="ja-JP" altLang="en-US"/>
           </a:p>
@@ -3526,7 +3526,7 @@
           <a:p>
             <a:fld id="{42A7FFAF-0134-4E41-85FF-16A86EAABC1C}" type="datetimeFigureOut">
               <a:rPr kumimoji="1" lang="ja-JP" altLang="en-US" smtClean="0"/>
-              <a:t>2023/2/23</a:t>
+              <a:t>2023/3/2</a:t>
             </a:fld>
             <a:endParaRPr kumimoji="1" lang="ja-JP" altLang="en-US"/>
           </a:p>
@@ -3633,7 +3633,7 @@
           <a:p>
             <a:fld id="{42A7FFAF-0134-4E41-85FF-16A86EAABC1C}" type="datetimeFigureOut">
               <a:rPr kumimoji="1" lang="ja-JP" altLang="en-US" smtClean="0"/>
-              <a:t>2023/2/23</a:t>
+              <a:t>2023/3/2</a:t>
             </a:fld>
             <a:endParaRPr kumimoji="1" lang="ja-JP" altLang="en-US"/>
           </a:p>
@@ -3954,7 +3954,7 @@
           <a:p>
             <a:fld id="{42A7FFAF-0134-4E41-85FF-16A86EAABC1C}" type="datetimeFigureOut">
               <a:rPr kumimoji="1" lang="ja-JP" altLang="en-US" smtClean="0"/>
-              <a:t>2023/2/23</a:t>
+              <a:t>2023/3/2</a:t>
             </a:fld>
             <a:endParaRPr kumimoji="1" lang="ja-JP" altLang="en-US"/>
           </a:p>
@@ -4224,7 +4224,7 @@
           <a:p>
             <a:fld id="{42A7FFAF-0134-4E41-85FF-16A86EAABC1C}" type="datetimeFigureOut">
               <a:rPr kumimoji="1" lang="ja-JP" altLang="en-US" smtClean="0"/>
-              <a:t>2023/2/23</a:t>
+              <a:t>2023/3/2</a:t>
             </a:fld>
             <a:endParaRPr kumimoji="1" lang="ja-JP" altLang="en-US"/>
           </a:p>
@@ -4742,7 +4742,7 @@
           <a:p>
             <a:fld id="{42A7FFAF-0134-4E41-85FF-16A86EAABC1C}" type="datetimeFigureOut">
               <a:rPr kumimoji="1" lang="ja-JP" altLang="en-US" smtClean="0"/>
-              <a:t>2023/2/23</a:t>
+              <a:t>2023/3/2</a:t>
             </a:fld>
             <a:endParaRPr kumimoji="1" lang="ja-JP" altLang="en-US"/>
           </a:p>
@@ -5677,6 +5677,10 @@
               <a:rPr kumimoji="1" lang="zh-CN" altLang="en-US" smtClean="0"/>
               <a:t>入门</a:t>
             </a:r>
+            <a:r>
+              <a:rPr lang="en-US" altLang="zh-CN" smtClean="0"/>
+              <a:t>(Part 1)</a:t>
+            </a:r>
             <a:endParaRPr kumimoji="1" lang="ja-JP" altLang="en-US"/>
           </a:p>
         </p:txBody>
@@ -6395,13 +6399,7 @@
               <a:rPr lang="en-US" altLang="ja-JP" sz="1000">
                 <a:latin typeface="Consolas" panose="020B0609020204030204" pitchFamily="49" charset="0"/>
               </a:rPr>
-              <a:t>              </a:t>
-            </a:r>
-            <a:r>
-              <a:rPr lang="en-US" altLang="ja-JP" sz="1000">
-                <a:latin typeface="Consolas" panose="020B0609020204030204" pitchFamily="49" charset="0"/>
-              </a:rPr>
-              <a:t>+ </a:t>
+              <a:t>              + </a:t>
             </a:r>
             <a:r>
               <a:rPr lang="en-US" altLang="ja-JP" sz="1000" smtClean="0">
@@ -6438,13 +6436,7 @@
               <a:rPr lang="en-US" altLang="ja-JP" sz="1000">
                 <a:latin typeface="Consolas" panose="020B0609020204030204" pitchFamily="49" charset="0"/>
               </a:rPr>
-              <a:t>      useHeadersInDisplayName </a:t>
-            </a:r>
-            <a:r>
-              <a:rPr lang="en-US" altLang="ja-JP" sz="1000">
-                <a:latin typeface="Consolas" panose="020B0609020204030204" pitchFamily="49" charset="0"/>
-              </a:rPr>
-              <a:t>= </a:t>
+              <a:t>      useHeadersInDisplayName = </a:t>
             </a:r>
             <a:r>
               <a:rPr lang="en-US" altLang="ja-JP" sz="1000" smtClean="0">
@@ -6470,13 +6462,7 @@
               <a:rPr lang="en-US" altLang="ja-JP" sz="1000">
                 <a:latin typeface="Consolas" panose="020B0609020204030204" pitchFamily="49" charset="0"/>
               </a:rPr>
-              <a:t>      </a:t>
-            </a:r>
-            <a:r>
-              <a:rPr lang="en-US" altLang="ja-JP" sz="1000">
-                <a:latin typeface="Consolas" panose="020B0609020204030204" pitchFamily="49" charset="0"/>
-              </a:rPr>
-              <a:t>textBlock </a:t>
+              <a:t>      textBlock </a:t>
             </a:r>
             <a:r>
               <a:rPr lang="en-US" altLang="ja-JP" sz="1000" smtClean="0">
@@ -7718,13 +7704,7 @@
               <a:rPr lang="en-US" altLang="ja-JP" sz="1000">
                 <a:latin typeface="Consolas" panose="020B0609020204030204" pitchFamily="49" charset="0"/>
               </a:rPr>
-              <a:t>      delimiter </a:t>
-            </a:r>
-            <a:r>
-              <a:rPr lang="en-US" altLang="ja-JP" sz="1000">
-                <a:latin typeface="Consolas" panose="020B0609020204030204" pitchFamily="49" charset="0"/>
-              </a:rPr>
-              <a:t>= </a:t>
+              <a:t>      delimiter = </a:t>
             </a:r>
             <a:r>
               <a:rPr lang="en-US" altLang="ja-JP" sz="1000" smtClean="0">
@@ -7762,13 +7742,7 @@
               <a:rPr lang="en-US" altLang="ja-JP" sz="1000">
                 <a:latin typeface="Consolas" panose="020B0609020204030204" pitchFamily="49" charset="0"/>
               </a:rPr>
-              <a:t>      quoteCharacter </a:t>
-            </a:r>
-            <a:r>
-              <a:rPr lang="en-US" altLang="ja-JP" sz="1000">
-                <a:latin typeface="Consolas" panose="020B0609020204030204" pitchFamily="49" charset="0"/>
-              </a:rPr>
-              <a:t>= </a:t>
+              <a:t>      quoteCharacter = </a:t>
             </a:r>
             <a:r>
               <a:rPr lang="en-US" altLang="ja-JP" sz="1000" smtClean="0">
@@ -7842,13 +7816,7 @@
               <a:rPr lang="en-US" altLang="ja-JP" sz="1000">
                 <a:latin typeface="Consolas" panose="020B0609020204030204" pitchFamily="49" charset="0"/>
               </a:rPr>
-              <a:t>      nullValues </a:t>
-            </a:r>
-            <a:r>
-              <a:rPr lang="en-US" altLang="ja-JP" sz="1000">
-                <a:latin typeface="Consolas" panose="020B0609020204030204" pitchFamily="49" charset="0"/>
-              </a:rPr>
-              <a:t>= </a:t>
+              <a:t>      nullValues = </a:t>
             </a:r>
             <a:r>
               <a:rPr lang="en-US" altLang="ja-JP" sz="1000" smtClean="0">
@@ -7934,13 +7902,7 @@
               <a:rPr lang="en-US" altLang="ja-JP" sz="1000">
                 <a:latin typeface="Consolas" panose="020B0609020204030204" pitchFamily="49" charset="0"/>
               </a:rPr>
-              <a:t>      emptyValue </a:t>
-            </a:r>
-            <a:r>
-              <a:rPr lang="en-US" altLang="ja-JP" sz="1000">
-                <a:latin typeface="Consolas" panose="020B0609020204030204" pitchFamily="49" charset="0"/>
-              </a:rPr>
-              <a:t>= </a:t>
+              <a:t>      emptyValue = </a:t>
             </a:r>
             <a:r>
               <a:rPr lang="en-US" altLang="ja-JP" sz="1000" smtClean="0">
@@ -8036,13 +7998,7 @@
               <a:rPr lang="en-US" altLang="ja-JP" sz="1000">
                 <a:latin typeface="Consolas" panose="020B0609020204030204" pitchFamily="49" charset="0"/>
               </a:rPr>
-              <a:t>      </a:t>
-            </a:r>
-            <a:r>
-              <a:rPr lang="en-US" altLang="ja-JP" sz="1000">
-                <a:latin typeface="Consolas" panose="020B0609020204030204" pitchFamily="49" charset="0"/>
-              </a:rPr>
-              <a:t>#</a:t>
+              <a:t>      #</a:t>
             </a:r>
             <a:r>
               <a:rPr lang="en-US" altLang="ja-JP" sz="1000" smtClean="0">
@@ -8136,13 +8092,7 @@
               <a:rPr lang="en-US" altLang="ja-JP" sz="1000">
                 <a:latin typeface="Consolas" panose="020B0609020204030204" pitchFamily="49" charset="0"/>
               </a:rPr>
-              <a:t>      </a:t>
-            </a:r>
-            <a:r>
-              <a:rPr lang="en-US" altLang="ja-JP" sz="1000">
-                <a:latin typeface="Consolas" panose="020B0609020204030204" pitchFamily="49" charset="0"/>
-              </a:rPr>
-              <a:t>\</a:t>
+              <a:t>      \</a:t>
             </a:r>
             <a:r>
               <a:rPr lang="en-US" altLang="ja-JP" sz="1000" smtClean="0">
@@ -8682,11 +8632,7 @@
             </a:pPr>
             <a:r>
               <a:rPr lang="en-US" altLang="ja-JP" sz="1200"/>
-              <a:t>      resources </a:t>
-            </a:r>
-            <a:r>
-              <a:rPr lang="en-US" altLang="ja-JP" sz="1200"/>
-              <a:t>= </a:t>
+              <a:t>      resources = </a:t>
             </a:r>
             <a:r>
               <a:rPr lang="en-US" altLang="ja-JP" sz="1200" smtClean="0"/>
@@ -8752,11 +8698,7 @@
             </a:r>
             <a:r>
               <a:rPr lang="zh-CN" altLang="en-US" sz="1200"/>
-              <a:t>换</a:t>
-            </a:r>
-            <a:r>
-              <a:rPr lang="zh-CN" altLang="en-US" sz="1200"/>
-              <a:t>行</a:t>
+              <a:t>换行</a:t>
             </a:r>
             <a:r>
               <a:rPr lang="zh-CN" altLang="en-US" sz="1200" smtClean="0"/>
@@ -8778,11 +8720,7 @@
             </a:r>
             <a:r>
               <a:rPr lang="en-US" altLang="ja-JP" sz="1200"/>
-              <a:t>quoteCharacter </a:t>
-            </a:r>
-            <a:r>
-              <a:rPr lang="en-US" altLang="ja-JP" sz="1200"/>
-              <a:t>= </a:t>
+              <a:t>quoteCharacter = </a:t>
             </a:r>
             <a:r>
               <a:rPr lang="en-US" altLang="ja-JP" sz="1200" smtClean="0"/>
@@ -8805,11 +8743,7 @@
             </a:pPr>
             <a:r>
               <a:rPr lang="en-US" altLang="ja-JP" sz="1200"/>
-              <a:t>      numLinesToSkip = </a:t>
-            </a:r>
-            <a:r>
-              <a:rPr lang="en-US" altLang="ja-JP" sz="1200"/>
-              <a:t>1</a:t>
+              <a:t>      numLinesToSkip = 1</a:t>
             </a:r>
             <a:r>
               <a:rPr lang="en-US" altLang="ja-JP" sz="1200" smtClean="0"/>
@@ -9752,30 +9686,12 @@
             </a:r>
             <a:r>
               <a:rPr kumimoji="1" lang="zh-CN" altLang="en-US" sz="1600" smtClean="0"/>
-              <a:t>修饰。在</a:t>
-            </a:r>
-            <a:r>
-              <a:rPr kumimoji="1" lang="en-US" altLang="zh-CN" sz="1600" smtClean="0"/>
-              <a:t>IDEA</a:t>
+              <a:t>修饰</a:t>
             </a:r>
             <a:r>
               <a:rPr kumimoji="1" lang="zh-CN" altLang="en-US" sz="1600" smtClean="0"/>
-              <a:t>环境下，加了</a:t>
-            </a:r>
-            <a:r>
-              <a:rPr kumimoji="1" lang="en-US" altLang="zh-CN" sz="1600" smtClean="0"/>
-              <a:t>public</a:t>
-            </a:r>
-            <a:r>
-              <a:rPr kumimoji="1" lang="zh-CN" altLang="en-US" sz="1600" smtClean="0"/>
-              <a:t>修饰符会出现一个警告</a:t>
-            </a:r>
-            <a:endParaRPr kumimoji="1" lang="en-US" altLang="zh-CN" sz="1600" smtClean="0"/>
-          </a:p>
-          <a:p>
-            <a:pPr marL="0" indent="0">
-              <a:buNone/>
-            </a:pPr>
+              <a:t>。</a:t>
+            </a:r>
             <a:r>
               <a:rPr lang="zh-CN" altLang="en-US" sz="1600" smtClean="0"/>
               <a:t>类名一般以</a:t>
@@ -9838,32 +9754,24 @@
             </a:r>
             <a:r>
               <a:rPr kumimoji="1" lang="zh-CN" altLang="en-US" sz="1600" smtClean="0"/>
-              <a:t>方法名，默认为</a:t>
-            </a:r>
-            <a:r>
-              <a:rPr kumimoji="1" lang="en-US" altLang="zh-CN" sz="1600" smtClean="0"/>
-              <a:t>public</a:t>
+              <a:t>方法名</a:t>
+            </a:r>
+            <a:r>
+              <a:rPr kumimoji="1" lang="zh-CN" altLang="en-US" sz="1600" smtClean="0"/>
+              <a:t>，和类一样，可以</a:t>
             </a:r>
             <a:r>
               <a:rPr lang="zh-CN" altLang="en-US" sz="1600" smtClean="0"/>
-              <a:t>。也就是说不用显式指定</a:t>
+              <a:t>不用显式</a:t>
+            </a:r>
+            <a:r>
+              <a:rPr lang="zh-CN" altLang="en-US" sz="1600" smtClean="0"/>
+              <a:t>指定</a:t>
             </a:r>
             <a:r>
               <a:rPr lang="en-US" altLang="zh-CN" sz="1600" smtClean="0"/>
               <a:t>public</a:t>
             </a:r>
-            <a:r>
-              <a:rPr lang="zh-CN" altLang="en-US" sz="1600" smtClean="0"/>
-              <a:t>，和类一样，显式指定</a:t>
-            </a:r>
-            <a:r>
-              <a:rPr lang="en-US" altLang="zh-CN" sz="1600" smtClean="0"/>
-              <a:t>public</a:t>
-            </a:r>
-            <a:r>
-              <a:rPr lang="zh-CN" altLang="en-US" sz="1600" smtClean="0"/>
-              <a:t>会得到一个警告</a:t>
-            </a:r>
             <a:endParaRPr lang="en-US" altLang="zh-CN" sz="1600" smtClean="0"/>
           </a:p>
           <a:p>
@@ -9919,9 +9827,14 @@
               <a:t>本身的断言类之外，我们也可以使用第三方提供的断言工具类，比如</a:t>
             </a:r>
             <a:r>
-              <a:rPr lang="en-US" altLang="zh-CN" sz="1600"/>
+              <a:rPr lang="en-US" altLang="zh-CN" sz="1600" smtClean="0"/>
               <a:t>assertj</a:t>
             </a:r>
+            <a:r>
+              <a:rPr lang="zh-CN" altLang="en-US" sz="1600" smtClean="0"/>
+              <a:t>等</a:t>
+            </a:r>
+            <a:endParaRPr lang="en-US" altLang="zh-CN" sz="1600"/>
           </a:p>
         </p:txBody>
       </p:sp>
@@ -10627,11 +10540,7 @@
             </a:r>
             <a:r>
               <a:rPr lang="zh-CN" altLang="en-US" sz="1600" smtClean="0"/>
-              <a:t>，</a:t>
-            </a:r>
-            <a:r>
-              <a:rPr lang="zh-CN" altLang="en-US" sz="1600" smtClean="0"/>
-              <a:t>仅支持基本类型，</a:t>
+              <a:t>，仅支持基本类型，</a:t>
             </a:r>
             <a:r>
               <a:rPr lang="en-US" altLang="zh-CN" sz="1600" smtClean="0"/>
